--- a/Landing.pptx
+++ b/Landing.pptx
@@ -3100,9 +3100,16 @@
                 <a:latin typeface="American Typewriter"/>
                 <a:cs typeface="American Typewriter"/>
               </a:rPr>
-              <a:t>hrowback</a:t>
-            </a:r>
-            <a:endParaRPr lang="en-US" sz="3200" dirty="0">
+              <a:t>hrow</a:t>
+            </a:r>
+            <a:r>
+              <a:rPr lang="en-US" sz="3200" i="1" dirty="0" smtClean="0">
+                <a:latin typeface="American Typewriter"/>
+                <a:cs typeface="American Typewriter"/>
+              </a:rPr>
+              <a:t>back</a:t>
+            </a:r>
+            <a:endParaRPr lang="en-US" sz="3200" i="1" dirty="0">
               <a:latin typeface="American Typewriter"/>
               <a:cs typeface="American Typewriter"/>
             </a:endParaRPr>
@@ -3337,7 +3344,7 @@
         </p:nvSpPr>
         <p:spPr>
           <a:xfrm>
-            <a:off x="7653331" y="632999"/>
+            <a:off x="6445128" y="632999"/>
             <a:ext cx="107214" cy="111488"/>
           </a:xfrm>
           <a:prstGeom prst="rect">
@@ -3384,7 +3391,7 @@
         </p:nvSpPr>
         <p:spPr>
           <a:xfrm>
-            <a:off x="7653331" y="577255"/>
+            <a:off x="6445128" y="577255"/>
             <a:ext cx="1113363" cy="200055"/>
           </a:xfrm>
           <a:prstGeom prst="rect">
@@ -3613,6 +3620,66 @@
               <a:t>Tell it today!  </a:t>
             </a:r>
             <a:endParaRPr lang="en-US" sz="1200" dirty="0">
+              <a:latin typeface="American Typewriter"/>
+              <a:cs typeface="American Typewriter"/>
+            </a:endParaRPr>
+          </a:p>
+        </p:txBody>
+      </p:sp>
+      <p:sp>
+        <p:nvSpPr>
+          <p:cNvPr id="23" name="TextBox 22"/>
+          <p:cNvSpPr txBox="1"/>
+          <p:nvPr/>
+        </p:nvSpPr>
+        <p:spPr>
+          <a:xfrm>
+            <a:off x="7662041" y="577255"/>
+            <a:ext cx="1113363" cy="200055"/>
+          </a:xfrm>
+          <a:prstGeom prst="rect">
+            <a:avLst/>
+          </a:prstGeom>
+          <a:noFill/>
+          <a:ln>
+            <a:noFill/>
+          </a:ln>
+        </p:spPr>
+        <p:style>
+          <a:lnRef idx="2">
+            <a:schemeClr val="accent6"/>
+          </a:lnRef>
+          <a:fillRef idx="1">
+            <a:schemeClr val="lt1"/>
+          </a:fillRef>
+          <a:effectRef idx="0">
+            <a:schemeClr val="accent6"/>
+          </a:effectRef>
+          <a:fontRef idx="minor">
+            <a:schemeClr val="dk1"/>
+          </a:fontRef>
+        </p:style>
+        <p:txBody>
+          <a:bodyPr wrap="square" rtlCol="0">
+            <a:spAutoFit/>
+          </a:bodyPr>
+          <a:lstStyle/>
+          <a:p>
+            <a:pPr algn="ctr"/>
+            <a:r>
+              <a:rPr lang="en-US" sz="700" dirty="0" smtClean="0">
+                <a:solidFill>
+                  <a:srgbClr val="000000"/>
+                </a:solidFill>
+                <a:latin typeface="American Typewriter"/>
+                <a:cs typeface="American Typewriter"/>
+              </a:rPr>
+              <a:t>forgot password?</a:t>
+            </a:r>
+            <a:endParaRPr lang="en-US" sz="700" dirty="0">
+              <a:solidFill>
+                <a:srgbClr val="000000"/>
+              </a:solidFill>
               <a:latin typeface="American Typewriter"/>
               <a:cs typeface="American Typewriter"/>
             </a:endParaRPr>

--- a/Landing.pptx
+++ b/Landing.pptx
@@ -3344,7 +3344,7 @@
         </p:nvSpPr>
         <p:spPr>
           <a:xfrm>
-            <a:off x="6445128" y="632999"/>
+            <a:off x="6498735" y="632999"/>
             <a:ext cx="107214" cy="111488"/>
           </a:xfrm>
           <a:prstGeom prst="rect">
@@ -3391,7 +3391,7 @@
         </p:nvSpPr>
         <p:spPr>
           <a:xfrm>
-            <a:off x="6445128" y="577255"/>
+            <a:off x="6498735" y="577255"/>
             <a:ext cx="1113363" cy="200055"/>
           </a:xfrm>
           <a:prstGeom prst="rect">
@@ -3828,9 +3828,16 @@
                 <a:latin typeface="American Typewriter"/>
                 <a:cs typeface="American Typewriter"/>
               </a:rPr>
-              <a:t>throwback</a:t>
-            </a:r>
-            <a:endParaRPr lang="en-US" sz="3200" dirty="0">
+              <a:t>throw</a:t>
+            </a:r>
+            <a:r>
+              <a:rPr lang="en-US" sz="3200" i="1" dirty="0" smtClean="0">
+                <a:latin typeface="American Typewriter"/>
+                <a:cs typeface="American Typewriter"/>
+              </a:rPr>
+              <a:t>back</a:t>
+            </a:r>
+            <a:endParaRPr lang="en-US" sz="3200" i="1" dirty="0">
               <a:latin typeface="American Typewriter"/>
               <a:cs typeface="American Typewriter"/>
             </a:endParaRPr>
@@ -3901,7 +3908,7 @@
         </mc:AlternateContent>
         <p:spPr>
           <a:xfrm>
-            <a:off x="353203" y="3058361"/>
+            <a:off x="352430" y="5848842"/>
             <a:ext cx="704088" cy="704088"/>
           </a:xfrm>
           <a:prstGeom prst="rect">
@@ -3937,7 +3944,7 @@
         </mc:AlternateContent>
         <p:spPr>
           <a:xfrm>
-            <a:off x="353203" y="2354273"/>
+            <a:off x="352430" y="3948833"/>
             <a:ext cx="704088" cy="704088"/>
           </a:xfrm>
           <a:prstGeom prst="rect">
@@ -3973,7 +3980,7 @@
         </mc:AlternateContent>
         <p:spPr>
           <a:xfrm>
-            <a:off x="353203" y="1650185"/>
+            <a:off x="352430" y="2410382"/>
             <a:ext cx="704088" cy="704088"/>
           </a:xfrm>
           <a:prstGeom prst="rect">
